--- a/doc/PPT.pptx
+++ b/doc/PPT.pptx
@@ -250,7 +250,7 @@
           <a:p>
             <a:fld id="{82F288E0-7875-42C4-84C8-98DBBD3BF4D2}" type="datetimeFigureOut">
               <a:rPr lang="zh-CN" altLang="en-US" smtClean="0"/>
-              <a:t>2019/3/19</a:t>
+              <a:t>2019/3/21</a:t>
             </a:fld>
             <a:endParaRPr lang="zh-CN" altLang="en-US"/>
           </a:p>
@@ -397,7 +397,7 @@
           <a:p>
             <a:fld id="{82F288E0-7875-42C4-84C8-98DBBD3BF4D2}" type="datetimeFigureOut">
               <a:rPr lang="zh-CN" altLang="en-US" smtClean="0"/>
-              <a:t>2019/3/19</a:t>
+              <a:t>2019/3/21</a:t>
             </a:fld>
             <a:endParaRPr lang="zh-CN" altLang="en-US"/>
           </a:p>
@@ -562,7 +562,7 @@
           <a:p>
             <a:fld id="{82F288E0-7875-42C4-84C8-98DBBD3BF4D2}" type="datetimeFigureOut">
               <a:rPr lang="zh-CN" altLang="en-US" smtClean="0"/>
-              <a:t>2019/3/19</a:t>
+              <a:t>2019/3/21</a:t>
             </a:fld>
             <a:endParaRPr lang="zh-CN" altLang="en-US"/>
           </a:p>
@@ -803,7 +803,7 @@
           <a:p>
             <a:fld id="{82F288E0-7875-42C4-84C8-98DBBD3BF4D2}" type="datetimeFigureOut">
               <a:rPr lang="zh-CN" altLang="en-US" smtClean="0"/>
-              <a:t>2019/3/19</a:t>
+              <a:t>2019/3/21</a:t>
             </a:fld>
             <a:endParaRPr lang="zh-CN" altLang="en-US"/>
           </a:p>
@@ -1030,7 +1030,7 @@
           <a:p>
             <a:fld id="{82F288E0-7875-42C4-84C8-98DBBD3BF4D2}" type="datetimeFigureOut">
               <a:rPr lang="zh-CN" altLang="en-US" smtClean="0"/>
-              <a:t>2019/3/19</a:t>
+              <a:t>2019/3/21</a:t>
             </a:fld>
             <a:endParaRPr lang="zh-CN" altLang="en-US"/>
           </a:p>
@@ -1392,7 +1392,7 @@
           <a:p>
             <a:fld id="{82F288E0-7875-42C4-84C8-98DBBD3BF4D2}" type="datetimeFigureOut">
               <a:rPr lang="zh-CN" altLang="en-US" smtClean="0"/>
-              <a:t>2019/3/19</a:t>
+              <a:t>2019/3/21</a:t>
             </a:fld>
             <a:endParaRPr lang="zh-CN" altLang="en-US"/>
           </a:p>
@@ -1505,7 +1505,7 @@
           <a:p>
             <a:fld id="{82F288E0-7875-42C4-84C8-98DBBD3BF4D2}" type="datetimeFigureOut">
               <a:rPr lang="zh-CN" altLang="en-US" smtClean="0"/>
-              <a:t>2019/3/19</a:t>
+              <a:t>2019/3/21</a:t>
             </a:fld>
             <a:endParaRPr lang="zh-CN" altLang="en-US"/>
           </a:p>
@@ -1595,7 +1595,7 @@
           <a:p>
             <a:fld id="{82F288E0-7875-42C4-84C8-98DBBD3BF4D2}" type="datetimeFigureOut">
               <a:rPr lang="zh-CN" altLang="en-US" smtClean="0"/>
-              <a:t>2019/3/19</a:t>
+              <a:t>2019/3/21</a:t>
             </a:fld>
             <a:endParaRPr lang="zh-CN" altLang="en-US"/>
           </a:p>
@@ -1843,7 +1843,7 @@
           <a:p>
             <a:fld id="{82F288E0-7875-42C4-84C8-98DBBD3BF4D2}" type="datetimeFigureOut">
               <a:rPr lang="zh-CN" altLang="en-US" smtClean="0"/>
-              <a:t>2019/3/19</a:t>
+              <a:t>2019/3/21</a:t>
             </a:fld>
             <a:endParaRPr lang="zh-CN" altLang="en-US"/>
           </a:p>
@@ -2018,7 +2018,7 @@
           <a:p>
             <a:fld id="{82F288E0-7875-42C4-84C8-98DBBD3BF4D2}" type="datetimeFigureOut">
               <a:rPr lang="zh-CN" altLang="en-US" smtClean="0"/>
-              <a:t>2019/3/19</a:t>
+              <a:t>2019/3/21</a:t>
             </a:fld>
             <a:endParaRPr lang="zh-CN" altLang="en-US"/>
           </a:p>
@@ -2226,7 +2226,7 @@
           <a:p>
             <a:fld id="{82F288E0-7875-42C4-84C8-98DBBD3BF4D2}" type="datetimeFigureOut">
               <a:rPr lang="zh-CN" altLang="en-US" smtClean="0"/>
-              <a:t>2019/3/19</a:t>
+              <a:t>2019/3/21</a:t>
             </a:fld>
             <a:endParaRPr lang="zh-CN" altLang="en-US"/>
           </a:p>
@@ -3051,18 +3051,6 @@
               </a:rPr>
               <a:t>在线支付与聚合支付区别</a:t>
             </a:r>
-            <a:endParaRPr lang="zh-CN" altLang="en-US" b="1" dirty="0">
-              <a:solidFill>
-                <a:schemeClr val="tx1">
-                  <a:lumMod val="85000"/>
-                  <a:lumOff val="15000"/>
-                </a:schemeClr>
-              </a:solidFill>
-              <a:latin typeface="微软雅黑" panose="020B0502040204020203" charset="-122"/>
-              <a:ea typeface="微软雅黑" panose="020B0502040204020203" charset="-122"/>
-              <a:cs typeface="黑体" panose="02010609060101010101" charset="-122"/>
-              <a:sym typeface="+mn-ea"/>
-            </a:endParaRPr>
           </a:p>
         </p:txBody>
       </p:sp>
@@ -3181,18 +3169,6 @@
               </a:rPr>
               <a:t>构建支付系统会遇到那些问题</a:t>
             </a:r>
-            <a:endParaRPr lang="zh-CN" altLang="en-US" b="1" dirty="0">
-              <a:solidFill>
-                <a:schemeClr val="tx1">
-                  <a:lumMod val="85000"/>
-                  <a:lumOff val="15000"/>
-                </a:schemeClr>
-              </a:solidFill>
-              <a:latin typeface="微软雅黑" panose="020B0502040204020203" charset="-122"/>
-              <a:ea typeface="微软雅黑" panose="020B0502040204020203" charset="-122"/>
-              <a:cs typeface="黑体" panose="02010609060101010101" charset="-122"/>
-              <a:sym typeface="+mn-ea"/>
-            </a:endParaRPr>
           </a:p>
         </p:txBody>
       </p:sp>
@@ -3346,18 +3322,6 @@
               </a:rPr>
               <a:t>构建支付系统整体实现原理</a:t>
             </a:r>
-            <a:endParaRPr lang="zh-CN" altLang="en-US" b="1" dirty="0">
-              <a:solidFill>
-                <a:schemeClr val="tx1">
-                  <a:lumMod val="85000"/>
-                  <a:lumOff val="15000"/>
-                </a:schemeClr>
-              </a:solidFill>
-              <a:latin typeface="微软雅黑" panose="020B0502040204020203" charset="-122"/>
-              <a:ea typeface="微软雅黑" panose="020B0502040204020203" charset="-122"/>
-              <a:cs typeface="黑体" panose="02010609060101010101" charset="-122"/>
-              <a:sym typeface="+mn-ea"/>
-            </a:endParaRPr>
           </a:p>
         </p:txBody>
       </p:sp>
@@ -3488,13 +3452,6 @@
               </a:rPr>
               <a:t>4</a:t>
             </a:r>
-            <a:endParaRPr lang="en-US" altLang="zh-CN" sz="2000" b="1" dirty="0">
-              <a:solidFill>
-                <a:schemeClr val="bg1"/>
-              </a:solidFill>
-              <a:latin typeface="微软雅黑" panose="020B0502040204020203" charset="-122"/>
-              <a:ea typeface="微软雅黑" panose="020B0502040204020203" charset="-122"/>
-            </a:endParaRPr>
           </a:p>
         </p:txBody>
       </p:sp>
@@ -3535,18 +3492,6 @@
               </a:rPr>
               <a:t>同步回调与异步回调形式区别</a:t>
             </a:r>
-            <a:endParaRPr lang="zh-CN" altLang="en-US" b="1" dirty="0">
-              <a:solidFill>
-                <a:schemeClr val="tx1">
-                  <a:lumMod val="85000"/>
-                  <a:lumOff val="15000"/>
-                </a:schemeClr>
-              </a:solidFill>
-              <a:latin typeface="微软雅黑" panose="020B0502040204020203" charset="-122"/>
-              <a:ea typeface="微软雅黑" panose="020B0502040204020203" charset="-122"/>
-              <a:cs typeface="黑体" panose="02010609060101010101" charset="-122"/>
-              <a:sym typeface="+mn-ea"/>
-            </a:endParaRPr>
           </a:p>
         </p:txBody>
       </p:sp>
@@ -3703,13 +3648,6 @@
               </a:rPr>
               <a:t>6</a:t>
             </a:r>
-            <a:endParaRPr lang="en-US" altLang="zh-CN" sz="2000" b="1" dirty="0">
-              <a:solidFill>
-                <a:schemeClr val="bg1"/>
-              </a:solidFill>
-              <a:latin typeface="微软雅黑" panose="020B0502040204020203" charset="-122"/>
-              <a:ea typeface="微软雅黑" panose="020B0502040204020203" charset="-122"/>
-            </a:endParaRPr>
           </a:p>
         </p:txBody>
       </p:sp>
@@ -3750,18 +3688,6 @@
               </a:rPr>
               <a:t>银联支付接口整体源码分析</a:t>
             </a:r>
-            <a:endParaRPr lang="zh-CN" altLang="en-US" b="1" dirty="0">
-              <a:solidFill>
-                <a:schemeClr val="tx1">
-                  <a:lumMod val="85000"/>
-                  <a:lumOff val="15000"/>
-                </a:schemeClr>
-              </a:solidFill>
-              <a:latin typeface="微软雅黑" panose="020B0502040204020203" charset="-122"/>
-              <a:ea typeface="微软雅黑" panose="020B0502040204020203" charset="-122"/>
-              <a:cs typeface="黑体" panose="02010609060101010101" charset="-122"/>
-              <a:sym typeface="+mn-ea"/>
-            </a:endParaRPr>
           </a:p>
         </p:txBody>
       </p:sp>
@@ -4012,14 +3938,7 @@
                 <a:latin typeface="华文楷体" panose="02010600040101010101" pitchFamily="2" charset="-122"/>
                 <a:ea typeface="华文楷体" panose="02010600040101010101" pitchFamily="2" charset="-122"/>
               </a:rPr>
-              <a:t>2</a:t>
-            </a:r>
-            <a:r>
-              <a:rPr lang="en-US" altLang="zh-CN" b="1" dirty="0" smtClean="0">
-                <a:latin typeface="华文楷体" panose="02010600040101010101" pitchFamily="2" charset="-122"/>
-                <a:ea typeface="华文楷体" panose="02010600040101010101" pitchFamily="2" charset="-122"/>
-              </a:rPr>
-              <a:t>.</a:t>
+              <a:t>2.</a:t>
             </a:r>
             <a:r>
               <a:rPr lang="zh-CN" altLang="en-US" b="1" dirty="0" smtClean="0">
@@ -4058,14 +3977,7 @@
                 <a:latin typeface="华文楷体" panose="02010600040101010101" pitchFamily="2" charset="-122"/>
                 <a:ea typeface="华文楷体" panose="02010600040101010101" pitchFamily="2" charset="-122"/>
               </a:rPr>
-              <a:t>3</a:t>
-            </a:r>
-            <a:r>
-              <a:rPr lang="en-US" altLang="zh-CN" b="1" dirty="0" smtClean="0">
-                <a:latin typeface="华文楷体" panose="02010600040101010101" pitchFamily="2" charset="-122"/>
-                <a:ea typeface="华文楷体" panose="02010600040101010101" pitchFamily="2" charset="-122"/>
-              </a:rPr>
-              <a:t>.</a:t>
+              <a:t>3.</a:t>
             </a:r>
             <a:r>
               <a:rPr lang="zh-CN" altLang="en-US" b="1" dirty="0" smtClean="0">

--- a/doc/PPT.pptx
+++ b/doc/PPT.pptx
@@ -250,7 +250,7 @@
           <a:p>
             <a:fld id="{82F288E0-7875-42C4-84C8-98DBBD3BF4D2}" type="datetimeFigureOut">
               <a:rPr lang="zh-CN" altLang="en-US" smtClean="0"/>
-              <a:t>2019/3/21</a:t>
+              <a:t>2019/3/26</a:t>
             </a:fld>
             <a:endParaRPr lang="zh-CN" altLang="en-US"/>
           </a:p>
@@ -397,7 +397,7 @@
           <a:p>
             <a:fld id="{82F288E0-7875-42C4-84C8-98DBBD3BF4D2}" type="datetimeFigureOut">
               <a:rPr lang="zh-CN" altLang="en-US" smtClean="0"/>
-              <a:t>2019/3/21</a:t>
+              <a:t>2019/3/26</a:t>
             </a:fld>
             <a:endParaRPr lang="zh-CN" altLang="en-US"/>
           </a:p>
@@ -562,7 +562,7 @@
           <a:p>
             <a:fld id="{82F288E0-7875-42C4-84C8-98DBBD3BF4D2}" type="datetimeFigureOut">
               <a:rPr lang="zh-CN" altLang="en-US" smtClean="0"/>
-              <a:t>2019/3/21</a:t>
+              <a:t>2019/3/26</a:t>
             </a:fld>
             <a:endParaRPr lang="zh-CN" altLang="en-US"/>
           </a:p>
@@ -803,7 +803,7 @@
           <a:p>
             <a:fld id="{82F288E0-7875-42C4-84C8-98DBBD3BF4D2}" type="datetimeFigureOut">
               <a:rPr lang="zh-CN" altLang="en-US" smtClean="0"/>
-              <a:t>2019/3/21</a:t>
+              <a:t>2019/3/26</a:t>
             </a:fld>
             <a:endParaRPr lang="zh-CN" altLang="en-US"/>
           </a:p>
@@ -1030,7 +1030,7 @@
           <a:p>
             <a:fld id="{82F288E0-7875-42C4-84C8-98DBBD3BF4D2}" type="datetimeFigureOut">
               <a:rPr lang="zh-CN" altLang="en-US" smtClean="0"/>
-              <a:t>2019/3/21</a:t>
+              <a:t>2019/3/26</a:t>
             </a:fld>
             <a:endParaRPr lang="zh-CN" altLang="en-US"/>
           </a:p>
@@ -1392,7 +1392,7 @@
           <a:p>
             <a:fld id="{82F288E0-7875-42C4-84C8-98DBBD3BF4D2}" type="datetimeFigureOut">
               <a:rPr lang="zh-CN" altLang="en-US" smtClean="0"/>
-              <a:t>2019/3/21</a:t>
+              <a:t>2019/3/26</a:t>
             </a:fld>
             <a:endParaRPr lang="zh-CN" altLang="en-US"/>
           </a:p>
@@ -1505,7 +1505,7 @@
           <a:p>
             <a:fld id="{82F288E0-7875-42C4-84C8-98DBBD3BF4D2}" type="datetimeFigureOut">
               <a:rPr lang="zh-CN" altLang="en-US" smtClean="0"/>
-              <a:t>2019/3/21</a:t>
+              <a:t>2019/3/26</a:t>
             </a:fld>
             <a:endParaRPr lang="zh-CN" altLang="en-US"/>
           </a:p>
@@ -1595,7 +1595,7 @@
           <a:p>
             <a:fld id="{82F288E0-7875-42C4-84C8-98DBBD3BF4D2}" type="datetimeFigureOut">
               <a:rPr lang="zh-CN" altLang="en-US" smtClean="0"/>
-              <a:t>2019/3/21</a:t>
+              <a:t>2019/3/26</a:t>
             </a:fld>
             <a:endParaRPr lang="zh-CN" altLang="en-US"/>
           </a:p>
@@ -1843,7 +1843,7 @@
           <a:p>
             <a:fld id="{82F288E0-7875-42C4-84C8-98DBBD3BF4D2}" type="datetimeFigureOut">
               <a:rPr lang="zh-CN" altLang="en-US" smtClean="0"/>
-              <a:t>2019/3/21</a:t>
+              <a:t>2019/3/26</a:t>
             </a:fld>
             <a:endParaRPr lang="zh-CN" altLang="en-US"/>
           </a:p>
@@ -2018,7 +2018,7 @@
           <a:p>
             <a:fld id="{82F288E0-7875-42C4-84C8-98DBBD3BF4D2}" type="datetimeFigureOut">
               <a:rPr lang="zh-CN" altLang="en-US" smtClean="0"/>
-              <a:t>2019/3/21</a:t>
+              <a:t>2019/3/26</a:t>
             </a:fld>
             <a:endParaRPr lang="zh-CN" altLang="en-US"/>
           </a:p>
@@ -2226,7 +2226,7 @@
           <a:p>
             <a:fld id="{82F288E0-7875-42C4-84C8-98DBBD3BF4D2}" type="datetimeFigureOut">
               <a:rPr lang="zh-CN" altLang="en-US" smtClean="0"/>
-              <a:t>2019/3/21</a:t>
+              <a:t>2019/3/26</a:t>
             </a:fld>
             <a:endParaRPr lang="zh-CN" altLang="en-US"/>
           </a:p>
@@ -2695,7 +2695,7 @@
         </p:nvSpPr>
         <p:spPr>
           <a:xfrm>
-            <a:off x="2875007" y="676345"/>
+            <a:off x="2581392" y="676345"/>
             <a:ext cx="10709189" cy="707886"/>
           </a:xfrm>
           <a:prstGeom prst="rect">
@@ -2716,11 +2716,13 @@
                 </a:solidFill>
                 <a:latin typeface="微软雅黑" panose="020B0502040204020203" charset="-122"/>
                 <a:ea typeface="微软雅黑" panose="020B0502040204020203" charset="-122"/>
-                <a:sym typeface="+mn-ea"/>
-              </a:rPr>
-              <a:t>构建微服务聚合支付平台</a:t>
-            </a:r>
-            <a:endParaRPr lang="zh-CN" altLang="en-US" sz="4000" dirty="0">
+              </a:rPr>
+              <a:t>基于设计模式构建聚合支付平台</a:t>
+            </a:r>
+            <a:endParaRPr lang="zh-CN" altLang="en-US" sz="4000" b="1" dirty="0">
+              <a:solidFill>
+                <a:schemeClr val="bg1"/>
+              </a:solidFill>
               <a:latin typeface="微软雅黑" panose="020B0502040204020203" charset="-122"/>
               <a:ea typeface="微软雅黑" panose="020B0502040204020203" charset="-122"/>
             </a:endParaRPr>

--- a/doc/PPT.pptx
+++ b/doc/PPT.pptx
@@ -250,7 +250,7 @@
           <a:p>
             <a:fld id="{82F288E0-7875-42C4-84C8-98DBBD3BF4D2}" type="datetimeFigureOut">
               <a:rPr lang="zh-CN" altLang="en-US" smtClean="0"/>
-              <a:t>2019/3/26</a:t>
+              <a:t>2019/3/28</a:t>
             </a:fld>
             <a:endParaRPr lang="zh-CN" altLang="en-US"/>
           </a:p>
@@ -397,7 +397,7 @@
           <a:p>
             <a:fld id="{82F288E0-7875-42C4-84C8-98DBBD3BF4D2}" type="datetimeFigureOut">
               <a:rPr lang="zh-CN" altLang="en-US" smtClean="0"/>
-              <a:t>2019/3/26</a:t>
+              <a:t>2019/3/28</a:t>
             </a:fld>
             <a:endParaRPr lang="zh-CN" altLang="en-US"/>
           </a:p>
@@ -562,7 +562,7 @@
           <a:p>
             <a:fld id="{82F288E0-7875-42C4-84C8-98DBBD3BF4D2}" type="datetimeFigureOut">
               <a:rPr lang="zh-CN" altLang="en-US" smtClean="0"/>
-              <a:t>2019/3/26</a:t>
+              <a:t>2019/3/28</a:t>
             </a:fld>
             <a:endParaRPr lang="zh-CN" altLang="en-US"/>
           </a:p>
@@ -803,7 +803,7 @@
           <a:p>
             <a:fld id="{82F288E0-7875-42C4-84C8-98DBBD3BF4D2}" type="datetimeFigureOut">
               <a:rPr lang="zh-CN" altLang="en-US" smtClean="0"/>
-              <a:t>2019/3/26</a:t>
+              <a:t>2019/3/28</a:t>
             </a:fld>
             <a:endParaRPr lang="zh-CN" altLang="en-US"/>
           </a:p>
@@ -1030,7 +1030,7 @@
           <a:p>
             <a:fld id="{82F288E0-7875-42C4-84C8-98DBBD3BF4D2}" type="datetimeFigureOut">
               <a:rPr lang="zh-CN" altLang="en-US" smtClean="0"/>
-              <a:t>2019/3/26</a:t>
+              <a:t>2019/3/28</a:t>
             </a:fld>
             <a:endParaRPr lang="zh-CN" altLang="en-US"/>
           </a:p>
@@ -1392,7 +1392,7 @@
           <a:p>
             <a:fld id="{82F288E0-7875-42C4-84C8-98DBBD3BF4D2}" type="datetimeFigureOut">
               <a:rPr lang="zh-CN" altLang="en-US" smtClean="0"/>
-              <a:t>2019/3/26</a:t>
+              <a:t>2019/3/28</a:t>
             </a:fld>
             <a:endParaRPr lang="zh-CN" altLang="en-US"/>
           </a:p>
@@ -1505,7 +1505,7 @@
           <a:p>
             <a:fld id="{82F288E0-7875-42C4-84C8-98DBBD3BF4D2}" type="datetimeFigureOut">
               <a:rPr lang="zh-CN" altLang="en-US" smtClean="0"/>
-              <a:t>2019/3/26</a:t>
+              <a:t>2019/3/28</a:t>
             </a:fld>
             <a:endParaRPr lang="zh-CN" altLang="en-US"/>
           </a:p>
@@ -1595,7 +1595,7 @@
           <a:p>
             <a:fld id="{82F288E0-7875-42C4-84C8-98DBBD3BF4D2}" type="datetimeFigureOut">
               <a:rPr lang="zh-CN" altLang="en-US" smtClean="0"/>
-              <a:t>2019/3/26</a:t>
+              <a:t>2019/3/28</a:t>
             </a:fld>
             <a:endParaRPr lang="zh-CN" altLang="en-US"/>
           </a:p>
@@ -1843,7 +1843,7 @@
           <a:p>
             <a:fld id="{82F288E0-7875-42C4-84C8-98DBBD3BF4D2}" type="datetimeFigureOut">
               <a:rPr lang="zh-CN" altLang="en-US" smtClean="0"/>
-              <a:t>2019/3/26</a:t>
+              <a:t>2019/3/28</a:t>
             </a:fld>
             <a:endParaRPr lang="zh-CN" altLang="en-US"/>
           </a:p>
@@ -2018,7 +2018,7 @@
           <a:p>
             <a:fld id="{82F288E0-7875-42C4-84C8-98DBBD3BF4D2}" type="datetimeFigureOut">
               <a:rPr lang="zh-CN" altLang="en-US" smtClean="0"/>
-              <a:t>2019/3/26</a:t>
+              <a:t>2019/3/28</a:t>
             </a:fld>
             <a:endParaRPr lang="zh-CN" altLang="en-US"/>
           </a:p>
@@ -2226,7 +2226,7 @@
           <a:p>
             <a:fld id="{82F288E0-7875-42C4-84C8-98DBBD3BF4D2}" type="datetimeFigureOut">
               <a:rPr lang="zh-CN" altLang="en-US" smtClean="0"/>
-              <a:t>2019/3/26</a:t>
+              <a:t>2019/3/28</a:t>
             </a:fld>
             <a:endParaRPr lang="zh-CN" altLang="en-US"/>
           </a:p>
@@ -2695,7 +2695,7 @@
         </p:nvSpPr>
         <p:spPr>
           <a:xfrm>
-            <a:off x="2581392" y="676345"/>
+            <a:off x="2480724" y="600844"/>
             <a:ext cx="10709189" cy="707886"/>
           </a:xfrm>
           <a:prstGeom prst="rect">

--- a/doc/PPT.pptx
+++ b/doc/PPT.pptx
@@ -250,7 +250,7 @@
           <a:p>
             <a:fld id="{82F288E0-7875-42C4-84C8-98DBBD3BF4D2}" type="datetimeFigureOut">
               <a:rPr lang="zh-CN" altLang="en-US" smtClean="0"/>
-              <a:t>2019/3/28</a:t>
+              <a:t>2019/4/3</a:t>
             </a:fld>
             <a:endParaRPr lang="zh-CN" altLang="en-US"/>
           </a:p>
@@ -397,7 +397,7 @@
           <a:p>
             <a:fld id="{82F288E0-7875-42C4-84C8-98DBBD3BF4D2}" type="datetimeFigureOut">
               <a:rPr lang="zh-CN" altLang="en-US" smtClean="0"/>
-              <a:t>2019/3/28</a:t>
+              <a:t>2019/4/3</a:t>
             </a:fld>
             <a:endParaRPr lang="zh-CN" altLang="en-US"/>
           </a:p>
@@ -562,7 +562,7 @@
           <a:p>
             <a:fld id="{82F288E0-7875-42C4-84C8-98DBBD3BF4D2}" type="datetimeFigureOut">
               <a:rPr lang="zh-CN" altLang="en-US" smtClean="0"/>
-              <a:t>2019/3/28</a:t>
+              <a:t>2019/4/3</a:t>
             </a:fld>
             <a:endParaRPr lang="zh-CN" altLang="en-US"/>
           </a:p>
@@ -803,7 +803,7 @@
           <a:p>
             <a:fld id="{82F288E0-7875-42C4-84C8-98DBBD3BF4D2}" type="datetimeFigureOut">
               <a:rPr lang="zh-CN" altLang="en-US" smtClean="0"/>
-              <a:t>2019/3/28</a:t>
+              <a:t>2019/4/3</a:t>
             </a:fld>
             <a:endParaRPr lang="zh-CN" altLang="en-US"/>
           </a:p>
@@ -1030,7 +1030,7 @@
           <a:p>
             <a:fld id="{82F288E0-7875-42C4-84C8-98DBBD3BF4D2}" type="datetimeFigureOut">
               <a:rPr lang="zh-CN" altLang="en-US" smtClean="0"/>
-              <a:t>2019/3/28</a:t>
+              <a:t>2019/4/3</a:t>
             </a:fld>
             <a:endParaRPr lang="zh-CN" altLang="en-US"/>
           </a:p>
@@ -1392,7 +1392,7 @@
           <a:p>
             <a:fld id="{82F288E0-7875-42C4-84C8-98DBBD3BF4D2}" type="datetimeFigureOut">
               <a:rPr lang="zh-CN" altLang="en-US" smtClean="0"/>
-              <a:t>2019/3/28</a:t>
+              <a:t>2019/4/3</a:t>
             </a:fld>
             <a:endParaRPr lang="zh-CN" altLang="en-US"/>
           </a:p>
@@ -1505,7 +1505,7 @@
           <a:p>
             <a:fld id="{82F288E0-7875-42C4-84C8-98DBBD3BF4D2}" type="datetimeFigureOut">
               <a:rPr lang="zh-CN" altLang="en-US" smtClean="0"/>
-              <a:t>2019/3/28</a:t>
+              <a:t>2019/4/3</a:t>
             </a:fld>
             <a:endParaRPr lang="zh-CN" altLang="en-US"/>
           </a:p>
@@ -1595,7 +1595,7 @@
           <a:p>
             <a:fld id="{82F288E0-7875-42C4-84C8-98DBBD3BF4D2}" type="datetimeFigureOut">
               <a:rPr lang="zh-CN" altLang="en-US" smtClean="0"/>
-              <a:t>2019/3/28</a:t>
+              <a:t>2019/4/3</a:t>
             </a:fld>
             <a:endParaRPr lang="zh-CN" altLang="en-US"/>
           </a:p>
@@ -1843,7 +1843,7 @@
           <a:p>
             <a:fld id="{82F288E0-7875-42C4-84C8-98DBBD3BF4D2}" type="datetimeFigureOut">
               <a:rPr lang="zh-CN" altLang="en-US" smtClean="0"/>
-              <a:t>2019/3/28</a:t>
+              <a:t>2019/4/3</a:t>
             </a:fld>
             <a:endParaRPr lang="zh-CN" altLang="en-US"/>
           </a:p>
@@ -2018,7 +2018,7 @@
           <a:p>
             <a:fld id="{82F288E0-7875-42C4-84C8-98DBBD3BF4D2}" type="datetimeFigureOut">
               <a:rPr lang="zh-CN" altLang="en-US" smtClean="0"/>
-              <a:t>2019/3/28</a:t>
+              <a:t>2019/4/3</a:t>
             </a:fld>
             <a:endParaRPr lang="zh-CN" altLang="en-US"/>
           </a:p>
@@ -2226,7 +2226,7 @@
           <a:p>
             <a:fld id="{82F288E0-7875-42C4-84C8-98DBBD3BF4D2}" type="datetimeFigureOut">
               <a:rPr lang="zh-CN" altLang="en-US" smtClean="0"/>
-              <a:t>2019/3/28</a:t>
+              <a:t>2019/4/3</a:t>
             </a:fld>
             <a:endParaRPr lang="zh-CN" altLang="en-US"/>
           </a:p>
@@ -2873,7 +2873,7 @@
         </p:nvSpPr>
         <p:spPr>
           <a:xfrm>
-            <a:off x="673443" y="348650"/>
+            <a:off x="61047" y="877156"/>
             <a:ext cx="10515600" cy="1325563"/>
           </a:xfrm>
         </p:spPr>
@@ -2917,7 +2917,7 @@
         </p:nvSpPr>
         <p:spPr>
           <a:xfrm>
-            <a:off x="1677378" y="2253650"/>
+            <a:off x="1064982" y="2782156"/>
             <a:ext cx="488315" cy="488315"/>
           </a:xfrm>
           <a:prstGeom prst="ellipse">
@@ -2960,7 +2960,7 @@
         </p:nvSpPr>
         <p:spPr>
           <a:xfrm>
-            <a:off x="1738656" y="2298735"/>
+            <a:off x="1126260" y="2827241"/>
             <a:ext cx="365125" cy="398780"/>
           </a:xfrm>
           <a:prstGeom prst="rect">
@@ -2975,7 +2975,7 @@
           <a:lstStyle/>
           <a:p>
             <a:r>
-              <a:rPr lang="en-US" altLang="zh-CN" sz="2000" b="1">
+              <a:rPr lang="en-US" altLang="zh-CN" sz="2000" b="1" dirty="0">
                 <a:solidFill>
                   <a:schemeClr val="bg1"/>
                 </a:solidFill>
@@ -2995,7 +2995,7 @@
         </p:nvSpPr>
         <p:spPr>
           <a:xfrm>
-            <a:off x="2279993" y="2051184"/>
+            <a:off x="1667597" y="2579690"/>
             <a:ext cx="5883704" cy="646331"/>
           </a:xfrm>
           <a:prstGeom prst="rect">
@@ -3024,6 +3024,21 @@
           </a:p>
           <a:p>
             <a:r>
+              <a:rPr lang="zh-CN" altLang="en-US" b="1" dirty="0">
+                <a:solidFill>
+                  <a:schemeClr val="tx1">
+                    <a:lumMod val="85000"/>
+                    <a:lumOff val="15000"/>
+                  </a:schemeClr>
+                </a:solidFill>
+                <a:latin typeface="微软雅黑" panose="020B0502040204020203" charset="-122"/>
+                <a:ea typeface="微软雅黑" panose="020B0502040204020203" charset="-122"/>
+                <a:cs typeface="黑体" panose="02010609060101010101" charset="-122"/>
+                <a:sym typeface="+mn-ea"/>
+              </a:rPr>
+              <a:t>支付回调产生延迟？导致</a:t>
+            </a:r>
+            <a:r>
               <a:rPr lang="zh-CN" altLang="en-US" b="1" dirty="0" smtClean="0">
                 <a:solidFill>
                   <a:schemeClr val="tx1">
@@ -3036,7 +3051,7 @@
                 <a:cs typeface="黑体" panose="02010609060101010101" charset="-122"/>
                 <a:sym typeface="+mn-ea"/>
               </a:rPr>
-              <a:t>传统</a:t>
+              <a:t>数据</a:t>
             </a:r>
             <a:r>
               <a:rPr lang="zh-CN" altLang="en-US" b="1" dirty="0">
@@ -3051,8 +3066,50 @@
                 <a:cs typeface="黑体" panose="02010609060101010101" charset="-122"/>
                 <a:sym typeface="+mn-ea"/>
               </a:rPr>
-              <a:t>在线支付与聚合支付区别</a:t>
-            </a:r>
+              <a:t>不</a:t>
+            </a:r>
+            <a:r>
+              <a:rPr lang="zh-CN" altLang="en-US" b="1" dirty="0" smtClean="0">
+                <a:solidFill>
+                  <a:schemeClr val="tx1">
+                    <a:lumMod val="85000"/>
+                    <a:lumOff val="15000"/>
+                  </a:schemeClr>
+                </a:solidFill>
+                <a:latin typeface="微软雅黑" panose="020B0502040204020203" charset="-122"/>
+                <a:ea typeface="微软雅黑" panose="020B0502040204020203" charset="-122"/>
+                <a:cs typeface="黑体" panose="02010609060101010101" charset="-122"/>
+                <a:sym typeface="+mn-ea"/>
+              </a:rPr>
+              <a:t>一致</a:t>
+            </a:r>
+            <a:r>
+              <a:rPr lang="zh-CN" altLang="en-US" b="1" dirty="0">
+                <a:solidFill>
+                  <a:schemeClr val="tx1">
+                    <a:lumMod val="85000"/>
+                    <a:lumOff val="15000"/>
+                  </a:schemeClr>
+                </a:solidFill>
+                <a:latin typeface="微软雅黑" panose="020B0502040204020203" charset="-122"/>
+                <a:ea typeface="微软雅黑" panose="020B0502040204020203" charset="-122"/>
+                <a:cs typeface="黑体" panose="02010609060101010101" charset="-122"/>
+                <a:sym typeface="+mn-ea"/>
+              </a:rPr>
+              <a:t>如何解决？</a:t>
+            </a:r>
+            <a:endParaRPr lang="zh-CN" altLang="en-US" b="1" dirty="0">
+              <a:solidFill>
+                <a:schemeClr val="tx1">
+                  <a:lumMod val="85000"/>
+                  <a:lumOff val="15000"/>
+                </a:schemeClr>
+              </a:solidFill>
+              <a:latin typeface="微软雅黑" panose="020B0502040204020203" charset="-122"/>
+              <a:ea typeface="微软雅黑" panose="020B0502040204020203" charset="-122"/>
+              <a:cs typeface="黑体" panose="02010609060101010101" charset="-122"/>
+              <a:sym typeface="+mn-ea"/>
+            </a:endParaRPr>
           </a:p>
         </p:txBody>
       </p:sp>
@@ -3064,7 +3121,7 @@
         </p:nvSpPr>
         <p:spPr>
           <a:xfrm>
-            <a:off x="1677378" y="2818800"/>
+            <a:off x="1064982" y="3347306"/>
             <a:ext cx="488315" cy="488315"/>
           </a:xfrm>
           <a:prstGeom prst="ellipse">
@@ -3107,7 +3164,7 @@
         </p:nvSpPr>
         <p:spPr>
           <a:xfrm>
-            <a:off x="1738656" y="2863250"/>
+            <a:off x="1126260" y="3391756"/>
             <a:ext cx="365125" cy="398780"/>
           </a:xfrm>
           <a:prstGeom prst="rect">
@@ -3142,7 +3199,7 @@
         </p:nvSpPr>
         <p:spPr>
           <a:xfrm>
-            <a:off x="2279993" y="2863250"/>
+            <a:off x="1667597" y="3391756"/>
             <a:ext cx="4749800" cy="368300"/>
           </a:xfrm>
           <a:prstGeom prst="rect">
@@ -3169,8 +3226,50 @@
                 <a:cs typeface="黑体" panose="02010609060101010101" charset="-122"/>
                 <a:sym typeface="+mn-ea"/>
               </a:rPr>
-              <a:t>构建支付系统会遇到那些问题</a:t>
-            </a:r>
+              <a:t>基于策略</a:t>
+            </a:r>
+            <a:r>
+              <a:rPr lang="en-US" altLang="zh-CN" b="1" dirty="0">
+                <a:solidFill>
+                  <a:schemeClr val="tx1">
+                    <a:lumMod val="85000"/>
+                    <a:lumOff val="15000"/>
+                  </a:schemeClr>
+                </a:solidFill>
+                <a:latin typeface="微软雅黑" panose="020B0502040204020203" charset="-122"/>
+                <a:ea typeface="微软雅黑" panose="020B0502040204020203" charset="-122"/>
+                <a:cs typeface="黑体" panose="02010609060101010101" charset="-122"/>
+                <a:sym typeface="+mn-ea"/>
+              </a:rPr>
+              <a:t>+</a:t>
+            </a:r>
+            <a:r>
+              <a:rPr lang="zh-CN" altLang="en-US" b="1" dirty="0">
+                <a:solidFill>
+                  <a:schemeClr val="tx1">
+                    <a:lumMod val="85000"/>
+                    <a:lumOff val="15000"/>
+                  </a:schemeClr>
+                </a:solidFill>
+                <a:latin typeface="微软雅黑" panose="020B0502040204020203" charset="-122"/>
+                <a:ea typeface="微软雅黑" panose="020B0502040204020203" charset="-122"/>
+                <a:cs typeface="黑体" panose="02010609060101010101" charset="-122"/>
+                <a:sym typeface="+mn-ea"/>
+              </a:rPr>
+              <a:t>工厂模式实现聚合支付对账</a:t>
+            </a:r>
+            <a:endParaRPr lang="zh-CN" altLang="en-US" b="1" dirty="0">
+              <a:solidFill>
+                <a:schemeClr val="tx1">
+                  <a:lumMod val="85000"/>
+                  <a:lumOff val="15000"/>
+                </a:schemeClr>
+              </a:solidFill>
+              <a:latin typeface="微软雅黑" panose="020B0502040204020203" charset="-122"/>
+              <a:ea typeface="微软雅黑" panose="020B0502040204020203" charset="-122"/>
+              <a:cs typeface="黑体" panose="02010609060101010101" charset="-122"/>
+              <a:sym typeface="+mn-ea"/>
+            </a:endParaRPr>
           </a:p>
         </p:txBody>
       </p:sp>
@@ -3182,7 +3281,7 @@
         </p:nvSpPr>
         <p:spPr>
           <a:xfrm>
-            <a:off x="1677378" y="3374133"/>
+            <a:off x="1064982" y="3902639"/>
             <a:ext cx="488315" cy="488315"/>
           </a:xfrm>
           <a:prstGeom prst="ellipse">
@@ -3225,7 +3324,7 @@
         </p:nvSpPr>
         <p:spPr>
           <a:xfrm>
-            <a:off x="1746894" y="3427850"/>
+            <a:off x="1134498" y="3956356"/>
             <a:ext cx="365125" cy="398780"/>
           </a:xfrm>
           <a:prstGeom prst="rect">
@@ -3260,7 +3359,7 @@
         </p:nvSpPr>
         <p:spPr>
           <a:xfrm>
-            <a:off x="1738656" y="4033555"/>
+            <a:off x="1126260" y="4562061"/>
             <a:ext cx="365125" cy="398780"/>
           </a:xfrm>
           <a:prstGeom prst="rect">
@@ -3295,7 +3394,7 @@
         </p:nvSpPr>
         <p:spPr>
           <a:xfrm>
-            <a:off x="2279993" y="3434141"/>
+            <a:off x="1667597" y="3962647"/>
             <a:ext cx="4749800" cy="368300"/>
           </a:xfrm>
           <a:prstGeom prst="rect">
@@ -3322,47 +3421,7 @@
                 <a:cs typeface="黑体" panose="02010609060101010101" charset="-122"/>
                 <a:sym typeface="+mn-ea"/>
               </a:rPr>
-              <a:t>构建支付系统整体实现原理</a:t>
-            </a:r>
-          </a:p>
-        </p:txBody>
-      </p:sp>
-      <p:sp>
-        <p:nvSpPr>
-          <p:cNvPr id="16" name="文本框 15"/>
-          <p:cNvSpPr txBox="1"/>
-          <p:nvPr/>
-        </p:nvSpPr>
-        <p:spPr>
-          <a:xfrm>
-            <a:off x="2279993" y="3942027"/>
-            <a:ext cx="4749800" cy="368300"/>
-          </a:xfrm>
-          <a:prstGeom prst="rect">
-            <a:avLst/>
-          </a:prstGeom>
-          <a:noFill/>
-        </p:spPr>
-        <p:txBody>
-          <a:bodyPr wrap="square" rtlCol="0">
-            <a:spAutoFit/>
-          </a:bodyPr>
-          <a:lstStyle/>
-          <a:p>
-            <a:r>
-              <a:rPr lang="zh-CN" altLang="en-US" b="1" dirty="0" smtClean="0">
-                <a:solidFill>
-                  <a:schemeClr val="tx1">
-                    <a:lumMod val="85000"/>
-                    <a:lumOff val="15000"/>
-                  </a:schemeClr>
-                </a:solidFill>
-                <a:latin typeface="微软雅黑" panose="020B0502040204020203" charset="-122"/>
-                <a:ea typeface="微软雅黑" panose="020B0502040204020203" charset="-122"/>
-                <a:cs typeface="黑体" panose="02010609060101010101" charset="-122"/>
-                <a:sym typeface="+mn-ea"/>
-              </a:rPr>
-              <a:t>支付系统如何保证分布式事务问题</a:t>
+              <a:t>使用分布式任务调度实现自动化补偿</a:t>
             </a:r>
             <a:endParaRPr lang="zh-CN" altLang="en-US" b="1" dirty="0">
               <a:solidFill>
@@ -3376,320 +3435,6 @@
               <a:cs typeface="黑体" panose="02010609060101010101" charset="-122"/>
               <a:sym typeface="+mn-ea"/>
             </a:endParaRPr>
-          </a:p>
-        </p:txBody>
-      </p:sp>
-      <p:sp>
-        <p:nvSpPr>
-          <p:cNvPr id="19" name="椭圆 18"/>
-          <p:cNvSpPr/>
-          <p:nvPr/>
-        </p:nvSpPr>
-        <p:spPr>
-          <a:xfrm>
-            <a:off x="1657762" y="3924103"/>
-            <a:ext cx="488315" cy="488315"/>
-          </a:xfrm>
-          <a:prstGeom prst="ellipse">
-            <a:avLst/>
-          </a:prstGeom>
-          <a:ln>
-            <a:noFill/>
-          </a:ln>
-        </p:spPr>
-        <p:style>
-          <a:lnRef idx="2">
-            <a:schemeClr val="accent2">
-              <a:shade val="50000"/>
-            </a:schemeClr>
-          </a:lnRef>
-          <a:fillRef idx="1">
-            <a:schemeClr val="accent2"/>
-          </a:fillRef>
-          <a:effectRef idx="0">
-            <a:schemeClr val="accent2"/>
-          </a:effectRef>
-          <a:fontRef idx="minor">
-            <a:schemeClr val="lt1"/>
-          </a:fontRef>
-        </p:style>
-        <p:txBody>
-          <a:bodyPr rtlCol="0" anchor="ctr"/>
-          <a:lstStyle/>
-          <a:p>
-            <a:pPr algn="ctr"/>
-            <a:endParaRPr lang="zh-CN" altLang="en-US"/>
-          </a:p>
-        </p:txBody>
-      </p:sp>
-      <p:sp>
-        <p:nvSpPr>
-          <p:cNvPr id="20" name="文本框 19"/>
-          <p:cNvSpPr txBox="1"/>
-          <p:nvPr/>
-        </p:nvSpPr>
-        <p:spPr>
-          <a:xfrm>
-            <a:off x="1719356" y="3982918"/>
-            <a:ext cx="365125" cy="398780"/>
-          </a:xfrm>
-          <a:prstGeom prst="rect">
-            <a:avLst/>
-          </a:prstGeom>
-          <a:noFill/>
-        </p:spPr>
-        <p:txBody>
-          <a:bodyPr wrap="square" rtlCol="0">
-            <a:spAutoFit/>
-          </a:bodyPr>
-          <a:lstStyle/>
-          <a:p>
-            <a:r>
-              <a:rPr lang="en-US" altLang="zh-CN" sz="2000" b="1" dirty="0">
-                <a:solidFill>
-                  <a:schemeClr val="bg1"/>
-                </a:solidFill>
-                <a:latin typeface="微软雅黑" panose="020B0502040204020203" charset="-122"/>
-                <a:ea typeface="微软雅黑" panose="020B0502040204020203" charset="-122"/>
-              </a:rPr>
-              <a:t>4</a:t>
-            </a:r>
-          </a:p>
-        </p:txBody>
-      </p:sp>
-      <p:sp>
-        <p:nvSpPr>
-          <p:cNvPr id="21" name="文本框 20"/>
-          <p:cNvSpPr txBox="1"/>
-          <p:nvPr/>
-        </p:nvSpPr>
-        <p:spPr>
-          <a:xfrm>
-            <a:off x="2279993" y="4529070"/>
-            <a:ext cx="4749800" cy="368300"/>
-          </a:xfrm>
-          <a:prstGeom prst="rect">
-            <a:avLst/>
-          </a:prstGeom>
-          <a:noFill/>
-        </p:spPr>
-        <p:txBody>
-          <a:bodyPr wrap="square" rtlCol="0">
-            <a:spAutoFit/>
-          </a:bodyPr>
-          <a:lstStyle/>
-          <a:p>
-            <a:r>
-              <a:rPr lang="zh-CN" altLang="en-US" b="1" dirty="0">
-                <a:solidFill>
-                  <a:schemeClr val="tx1">
-                    <a:lumMod val="85000"/>
-                    <a:lumOff val="15000"/>
-                  </a:schemeClr>
-                </a:solidFill>
-                <a:latin typeface="微软雅黑" panose="020B0502040204020203" charset="-122"/>
-                <a:ea typeface="微软雅黑" panose="020B0502040204020203" charset="-122"/>
-                <a:cs typeface="黑体" panose="02010609060101010101" charset="-122"/>
-                <a:sym typeface="+mn-ea"/>
-              </a:rPr>
-              <a:t>同步回调与异步回调形式区别</a:t>
-            </a:r>
-          </a:p>
-        </p:txBody>
-      </p:sp>
-      <p:sp>
-        <p:nvSpPr>
-          <p:cNvPr id="25" name="椭圆 24"/>
-          <p:cNvSpPr/>
-          <p:nvPr/>
-        </p:nvSpPr>
-        <p:spPr>
-          <a:xfrm>
-            <a:off x="1677378" y="4485752"/>
-            <a:ext cx="488315" cy="488315"/>
-          </a:xfrm>
-          <a:prstGeom prst="ellipse">
-            <a:avLst/>
-          </a:prstGeom>
-          <a:ln>
-            <a:noFill/>
-          </a:ln>
-        </p:spPr>
-        <p:style>
-          <a:lnRef idx="2">
-            <a:schemeClr val="accent2">
-              <a:shade val="50000"/>
-            </a:schemeClr>
-          </a:lnRef>
-          <a:fillRef idx="1">
-            <a:schemeClr val="accent2"/>
-          </a:fillRef>
-          <a:effectRef idx="0">
-            <a:schemeClr val="accent2"/>
-          </a:effectRef>
-          <a:fontRef idx="minor">
-            <a:schemeClr val="lt1"/>
-          </a:fontRef>
-        </p:style>
-        <p:txBody>
-          <a:bodyPr rtlCol="0" anchor="ctr"/>
-          <a:lstStyle/>
-          <a:p>
-            <a:pPr algn="ctr"/>
-            <a:endParaRPr lang="zh-CN" altLang="en-US"/>
-          </a:p>
-        </p:txBody>
-      </p:sp>
-      <p:sp>
-        <p:nvSpPr>
-          <p:cNvPr id="26" name="文本框 25"/>
-          <p:cNvSpPr txBox="1"/>
-          <p:nvPr/>
-        </p:nvSpPr>
-        <p:spPr>
-          <a:xfrm>
-            <a:off x="1746894" y="4541787"/>
-            <a:ext cx="365125" cy="398780"/>
-          </a:xfrm>
-          <a:prstGeom prst="rect">
-            <a:avLst/>
-          </a:prstGeom>
-          <a:noFill/>
-        </p:spPr>
-        <p:txBody>
-          <a:bodyPr wrap="square" rtlCol="0">
-            <a:spAutoFit/>
-          </a:bodyPr>
-          <a:lstStyle/>
-          <a:p>
-            <a:r>
-              <a:rPr lang="en-US" altLang="zh-CN" sz="2000" b="1" dirty="0">
-                <a:solidFill>
-                  <a:schemeClr val="bg1"/>
-                </a:solidFill>
-                <a:latin typeface="微软雅黑" panose="020B0502040204020203" charset="-122"/>
-                <a:ea typeface="微软雅黑" panose="020B0502040204020203" charset="-122"/>
-              </a:rPr>
-              <a:t>5</a:t>
-            </a:r>
-          </a:p>
-        </p:txBody>
-      </p:sp>
-      <p:sp>
-        <p:nvSpPr>
-          <p:cNvPr id="27" name="椭圆 26"/>
-          <p:cNvSpPr/>
-          <p:nvPr/>
-        </p:nvSpPr>
-        <p:spPr>
-          <a:xfrm>
-            <a:off x="1677378" y="5035722"/>
-            <a:ext cx="488315" cy="488315"/>
-          </a:xfrm>
-          <a:prstGeom prst="ellipse">
-            <a:avLst/>
-          </a:prstGeom>
-          <a:ln>
-            <a:noFill/>
-          </a:ln>
-        </p:spPr>
-        <p:style>
-          <a:lnRef idx="2">
-            <a:schemeClr val="accent2">
-              <a:shade val="50000"/>
-            </a:schemeClr>
-          </a:lnRef>
-          <a:fillRef idx="1">
-            <a:schemeClr val="accent2"/>
-          </a:fillRef>
-          <a:effectRef idx="0">
-            <a:schemeClr val="accent2"/>
-          </a:effectRef>
-          <a:fontRef idx="minor">
-            <a:schemeClr val="lt1"/>
-          </a:fontRef>
-        </p:style>
-        <p:txBody>
-          <a:bodyPr rtlCol="0" anchor="ctr"/>
-          <a:lstStyle/>
-          <a:p>
-            <a:pPr algn="ctr"/>
-            <a:endParaRPr lang="zh-CN" altLang="en-US"/>
-          </a:p>
-        </p:txBody>
-      </p:sp>
-      <p:sp>
-        <p:nvSpPr>
-          <p:cNvPr id="28" name="文本框 27"/>
-          <p:cNvSpPr txBox="1"/>
-          <p:nvPr/>
-        </p:nvSpPr>
-        <p:spPr>
-          <a:xfrm>
-            <a:off x="1746894" y="5091757"/>
-            <a:ext cx="365125" cy="398780"/>
-          </a:xfrm>
-          <a:prstGeom prst="rect">
-            <a:avLst/>
-          </a:prstGeom>
-          <a:noFill/>
-        </p:spPr>
-        <p:txBody>
-          <a:bodyPr wrap="square" rtlCol="0">
-            <a:spAutoFit/>
-          </a:bodyPr>
-          <a:lstStyle/>
-          <a:p>
-            <a:r>
-              <a:rPr lang="en-US" altLang="zh-CN" sz="2000" b="1" dirty="0">
-                <a:solidFill>
-                  <a:schemeClr val="bg1"/>
-                </a:solidFill>
-                <a:latin typeface="微软雅黑" panose="020B0502040204020203" charset="-122"/>
-                <a:ea typeface="微软雅黑" panose="020B0502040204020203" charset="-122"/>
-              </a:rPr>
-              <a:t>6</a:t>
-            </a:r>
-          </a:p>
-        </p:txBody>
-      </p:sp>
-      <p:sp>
-        <p:nvSpPr>
-          <p:cNvPr id="29" name="文本框 28"/>
-          <p:cNvSpPr txBox="1"/>
-          <p:nvPr/>
-        </p:nvSpPr>
-        <p:spPr>
-          <a:xfrm>
-            <a:off x="2279993" y="5106997"/>
-            <a:ext cx="4749800" cy="368300"/>
-          </a:xfrm>
-          <a:prstGeom prst="rect">
-            <a:avLst/>
-          </a:prstGeom>
-          <a:noFill/>
-        </p:spPr>
-        <p:txBody>
-          <a:bodyPr wrap="square" rtlCol="0">
-            <a:spAutoFit/>
-          </a:bodyPr>
-          <a:lstStyle/>
-          <a:p>
-            <a:r>
-              <a:rPr lang="zh-CN" altLang="en-US" b="1" dirty="0">
-                <a:solidFill>
-                  <a:schemeClr val="tx1">
-                    <a:lumMod val="85000"/>
-                    <a:lumOff val="15000"/>
-                  </a:schemeClr>
-                </a:solidFill>
-                <a:latin typeface="微软雅黑" panose="020B0502040204020203" charset="-122"/>
-                <a:ea typeface="微软雅黑" panose="020B0502040204020203" charset="-122"/>
-                <a:cs typeface="黑体" panose="02010609060101010101" charset="-122"/>
-                <a:sym typeface="+mn-ea"/>
-              </a:rPr>
-              <a:t>银联支付接口整体源码分析</a:t>
-            </a:r>
           </a:p>
         </p:txBody>
       </p:sp>

--- a/doc/PPT.pptx
+++ b/doc/PPT.pptx
@@ -250,7 +250,7 @@
           <a:p>
             <a:fld id="{82F288E0-7875-42C4-84C8-98DBBD3BF4D2}" type="datetimeFigureOut">
               <a:rPr lang="zh-CN" altLang="en-US" smtClean="0"/>
-              <a:t>2019/4/3</a:t>
+              <a:t>2019/4/11</a:t>
             </a:fld>
             <a:endParaRPr lang="zh-CN" altLang="en-US"/>
           </a:p>
@@ -397,7 +397,7 @@
           <a:p>
             <a:fld id="{82F288E0-7875-42C4-84C8-98DBBD3BF4D2}" type="datetimeFigureOut">
               <a:rPr lang="zh-CN" altLang="en-US" smtClean="0"/>
-              <a:t>2019/4/3</a:t>
+              <a:t>2019/4/11</a:t>
             </a:fld>
             <a:endParaRPr lang="zh-CN" altLang="en-US"/>
           </a:p>
@@ -562,7 +562,7 @@
           <a:p>
             <a:fld id="{82F288E0-7875-42C4-84C8-98DBBD3BF4D2}" type="datetimeFigureOut">
               <a:rPr lang="zh-CN" altLang="en-US" smtClean="0"/>
-              <a:t>2019/4/3</a:t>
+              <a:t>2019/4/11</a:t>
             </a:fld>
             <a:endParaRPr lang="zh-CN" altLang="en-US"/>
           </a:p>
@@ -803,7 +803,7 @@
           <a:p>
             <a:fld id="{82F288E0-7875-42C4-84C8-98DBBD3BF4D2}" type="datetimeFigureOut">
               <a:rPr lang="zh-CN" altLang="en-US" smtClean="0"/>
-              <a:t>2019/4/3</a:t>
+              <a:t>2019/4/11</a:t>
             </a:fld>
             <a:endParaRPr lang="zh-CN" altLang="en-US"/>
           </a:p>
@@ -1030,7 +1030,7 @@
           <a:p>
             <a:fld id="{82F288E0-7875-42C4-84C8-98DBBD3BF4D2}" type="datetimeFigureOut">
               <a:rPr lang="zh-CN" altLang="en-US" smtClean="0"/>
-              <a:t>2019/4/3</a:t>
+              <a:t>2019/4/11</a:t>
             </a:fld>
             <a:endParaRPr lang="zh-CN" altLang="en-US"/>
           </a:p>
@@ -1392,7 +1392,7 @@
           <a:p>
             <a:fld id="{82F288E0-7875-42C4-84C8-98DBBD3BF4D2}" type="datetimeFigureOut">
               <a:rPr lang="zh-CN" altLang="en-US" smtClean="0"/>
-              <a:t>2019/4/3</a:t>
+              <a:t>2019/4/11</a:t>
             </a:fld>
             <a:endParaRPr lang="zh-CN" altLang="en-US"/>
           </a:p>
@@ -1505,7 +1505,7 @@
           <a:p>
             <a:fld id="{82F288E0-7875-42C4-84C8-98DBBD3BF4D2}" type="datetimeFigureOut">
               <a:rPr lang="zh-CN" altLang="en-US" smtClean="0"/>
-              <a:t>2019/4/3</a:t>
+              <a:t>2019/4/11</a:t>
             </a:fld>
             <a:endParaRPr lang="zh-CN" altLang="en-US"/>
           </a:p>
@@ -1595,7 +1595,7 @@
           <a:p>
             <a:fld id="{82F288E0-7875-42C4-84C8-98DBBD3BF4D2}" type="datetimeFigureOut">
               <a:rPr lang="zh-CN" altLang="en-US" smtClean="0"/>
-              <a:t>2019/4/3</a:t>
+              <a:t>2019/4/11</a:t>
             </a:fld>
             <a:endParaRPr lang="zh-CN" altLang="en-US"/>
           </a:p>
@@ -1843,7 +1843,7 @@
           <a:p>
             <a:fld id="{82F288E0-7875-42C4-84C8-98DBBD3BF4D2}" type="datetimeFigureOut">
               <a:rPr lang="zh-CN" altLang="en-US" smtClean="0"/>
-              <a:t>2019/4/3</a:t>
+              <a:t>2019/4/11</a:t>
             </a:fld>
             <a:endParaRPr lang="zh-CN" altLang="en-US"/>
           </a:p>
@@ -2018,7 +2018,7 @@
           <a:p>
             <a:fld id="{82F288E0-7875-42C4-84C8-98DBBD3BF4D2}" type="datetimeFigureOut">
               <a:rPr lang="zh-CN" altLang="en-US" smtClean="0"/>
-              <a:t>2019/4/3</a:t>
+              <a:t>2019/4/11</a:t>
             </a:fld>
             <a:endParaRPr lang="zh-CN" altLang="en-US"/>
           </a:p>
@@ -2226,7 +2226,7 @@
           <a:p>
             <a:fld id="{82F288E0-7875-42C4-84C8-98DBBD3BF4D2}" type="datetimeFigureOut">
               <a:rPr lang="zh-CN" altLang="en-US" smtClean="0"/>
-              <a:t>2019/4/3</a:t>
+              <a:t>2019/4/11</a:t>
             </a:fld>
             <a:endParaRPr lang="zh-CN" altLang="en-US"/>
           </a:p>
@@ -2695,7 +2695,7 @@
         </p:nvSpPr>
         <p:spPr>
           <a:xfrm>
-            <a:off x="2480724" y="600844"/>
+            <a:off x="2589781" y="600844"/>
             <a:ext cx="10709189" cy="707886"/>
           </a:xfrm>
           <a:prstGeom prst="rect">
@@ -2710,14 +2710,14 @@
           <a:lstStyle/>
           <a:p>
             <a:r>
-              <a:rPr lang="zh-CN" altLang="en-US" sz="4000" b="1" dirty="0" smtClean="0">
+              <a:rPr lang="zh-CN" altLang="en-US" sz="4000" b="1" dirty="0">
                 <a:solidFill>
                   <a:schemeClr val="bg1"/>
                 </a:solidFill>
                 <a:latin typeface="微软雅黑" panose="020B0502040204020203" charset="-122"/>
                 <a:ea typeface="微软雅黑" panose="020B0502040204020203" charset="-122"/>
               </a:rPr>
-              <a:t>基于设计模式构建聚合支付平台</a:t>
+              <a:t>互联网安全架构平台设计</a:t>
             </a:r>
             <a:endParaRPr lang="zh-CN" altLang="en-US" sz="4000" b="1" dirty="0">
               <a:solidFill>
@@ -3098,18 +3098,6 @@
               </a:rPr>
               <a:t>如何解决？</a:t>
             </a:r>
-            <a:endParaRPr lang="zh-CN" altLang="en-US" b="1" dirty="0">
-              <a:solidFill>
-                <a:schemeClr val="tx1">
-                  <a:lumMod val="85000"/>
-                  <a:lumOff val="15000"/>
-                </a:schemeClr>
-              </a:solidFill>
-              <a:latin typeface="微软雅黑" panose="020B0502040204020203" charset="-122"/>
-              <a:ea typeface="微软雅黑" panose="020B0502040204020203" charset="-122"/>
-              <a:cs typeface="黑体" panose="02010609060101010101" charset="-122"/>
-              <a:sym typeface="+mn-ea"/>
-            </a:endParaRPr>
           </a:p>
         </p:txBody>
       </p:sp>
@@ -3258,18 +3246,6 @@
               </a:rPr>
               <a:t>工厂模式实现聚合支付对账</a:t>
             </a:r>
-            <a:endParaRPr lang="zh-CN" altLang="en-US" b="1" dirty="0">
-              <a:solidFill>
-                <a:schemeClr val="tx1">
-                  <a:lumMod val="85000"/>
-                  <a:lumOff val="15000"/>
-                </a:schemeClr>
-              </a:solidFill>
-              <a:latin typeface="微软雅黑" panose="020B0502040204020203" charset="-122"/>
-              <a:ea typeface="微软雅黑" panose="020B0502040204020203" charset="-122"/>
-              <a:cs typeface="黑体" panose="02010609060101010101" charset="-122"/>
-              <a:sym typeface="+mn-ea"/>
-            </a:endParaRPr>
           </a:p>
         </p:txBody>
       </p:sp>
@@ -3423,18 +3399,6 @@
               </a:rPr>
               <a:t>使用分布式任务调度实现自动化补偿</a:t>
             </a:r>
-            <a:endParaRPr lang="zh-CN" altLang="en-US" b="1" dirty="0">
-              <a:solidFill>
-                <a:schemeClr val="tx1">
-                  <a:lumMod val="85000"/>
-                  <a:lumOff val="15000"/>
-                </a:schemeClr>
-              </a:solidFill>
-              <a:latin typeface="微软雅黑" panose="020B0502040204020203" charset="-122"/>
-              <a:ea typeface="微软雅黑" panose="020B0502040204020203" charset="-122"/>
-              <a:cs typeface="黑体" panose="02010609060101010101" charset="-122"/>
-              <a:sym typeface="+mn-ea"/>
-            </a:endParaRPr>
           </a:p>
         </p:txBody>
       </p:sp>
@@ -3939,7 +3903,7 @@
                 <a:ea typeface="微软雅黑" panose="020B0502040204020203" charset="-122"/>
                 <a:sym typeface="+mn-ea"/>
               </a:rPr>
-              <a:t>支付项目中常见难点</a:t>
+              <a:t>互联网安全架构平台设计</a:t>
             </a:r>
             <a:endParaRPr lang="zh-CN" altLang="en-US" sz="2800" b="1" dirty="0" smtClean="0">
               <a:solidFill>
@@ -3998,7 +3962,7 @@
         <p:spPr>
           <a:xfrm>
             <a:off x="222422" y="2376515"/>
-            <a:ext cx="10485563" cy="3077766"/>
+            <a:ext cx="5578771" cy="2585323"/>
           </a:xfrm>
           <a:prstGeom prst="rect">
             <a:avLst/>
@@ -4011,179 +3975,273 @@
           </a:bodyPr>
           <a:lstStyle/>
           <a:p>
-            <a:pPr lvl="0"/>
-            <a:r>
-              <a:rPr lang="en-US" altLang="zh-CN" sz="2800" dirty="0" smtClean="0">
+            <a:r>
+              <a:rPr lang="en-US" altLang="zh-CN" b="1" dirty="0" smtClean="0">
                 <a:latin typeface="华文楷体" panose="02010600040101010101" pitchFamily="2" charset="-122"/>
                 <a:ea typeface="华文楷体" panose="02010600040101010101" pitchFamily="2" charset="-122"/>
               </a:rPr>
               <a:t>1.</a:t>
             </a:r>
             <a:r>
-              <a:rPr lang="zh-CN" altLang="zh-CN" sz="2800" dirty="0" smtClean="0">
+              <a:rPr lang="zh-CN" altLang="en-US" b="1" dirty="0" smtClean="0">
                 <a:latin typeface="华文楷体" panose="02010600040101010101" pitchFamily="2" charset="-122"/>
                 <a:ea typeface="华文楷体" panose="02010600040101010101" pitchFamily="2" charset="-122"/>
               </a:rPr>
-              <a:t>支付</a:t>
-            </a:r>
-            <a:r>
-              <a:rPr lang="zh-CN" altLang="zh-CN" sz="2800" dirty="0">
+              <a:t>基于网关实现</a:t>
+            </a:r>
+            <a:r>
+              <a:rPr lang="en-US" altLang="zh-CN" b="1" dirty="0" smtClean="0">
                 <a:latin typeface="华文楷体" panose="02010600040101010101" pitchFamily="2" charset="-122"/>
                 <a:ea typeface="华文楷体" panose="02010600040101010101" pitchFamily="2" charset="-122"/>
               </a:rPr>
-              <a:t>回调接口中，产生延迟通知</a:t>
-            </a:r>
-            <a:r>
-              <a:rPr lang="zh-CN" altLang="zh-CN" sz="2800" dirty="0" smtClean="0">
+              <a:t>IP</a:t>
+            </a:r>
+            <a:r>
+              <a:rPr lang="zh-CN" altLang="en-US" b="1" dirty="0" smtClean="0">
                 <a:latin typeface="华文楷体" panose="02010600040101010101" pitchFamily="2" charset="-122"/>
                 <a:ea typeface="华文楷体" panose="02010600040101010101" pitchFamily="2" charset="-122"/>
               </a:rPr>
-              <a:t>？如何</a:t>
-            </a:r>
-            <a:r>
-              <a:rPr lang="zh-CN" altLang="zh-CN" sz="2800" dirty="0">
-                <a:latin typeface="华文楷体" panose="02010600040101010101" pitchFamily="2" charset="-122"/>
-                <a:ea typeface="华文楷体" panose="02010600040101010101" pitchFamily="2" charset="-122"/>
-              </a:rPr>
-              <a:t>解决支付状态不一致</a:t>
-            </a:r>
-            <a:r>
-              <a:rPr lang="zh-CN" altLang="zh-CN" sz="2800" dirty="0" smtClean="0">
-                <a:latin typeface="华文楷体" panose="02010600040101010101" pitchFamily="2" charset="-122"/>
-                <a:ea typeface="华文楷体" panose="02010600040101010101" pitchFamily="2" charset="-122"/>
-              </a:rPr>
-              <a:t>问题</a:t>
-            </a:r>
-            <a:endParaRPr lang="zh-CN" altLang="zh-CN" sz="2800" dirty="0">
+              <a:t>黑名单与名单拦截</a:t>
+            </a:r>
+            <a:endParaRPr lang="en-US" altLang="zh-CN" b="1" dirty="0" smtClean="0">
               <a:latin typeface="华文楷体" panose="02010600040101010101" pitchFamily="2" charset="-122"/>
               <a:ea typeface="华文楷体" panose="02010600040101010101" pitchFamily="2" charset="-122"/>
             </a:endParaRPr>
           </a:p>
           <a:p>
-            <a:pPr lvl="0"/>
-            <a:r>
-              <a:rPr lang="en-US" altLang="zh-CN" sz="2800" dirty="0">
+            <a:r>
+              <a:rPr lang="en-US" altLang="zh-CN" b="1" dirty="0" smtClean="0">
                 <a:latin typeface="华文楷体" panose="02010600040101010101" pitchFamily="2" charset="-122"/>
                 <a:ea typeface="华文楷体" panose="02010600040101010101" pitchFamily="2" charset="-122"/>
               </a:rPr>
-              <a:t>2</a:t>
-            </a:r>
-            <a:r>
-              <a:rPr lang="en-US" altLang="zh-CN" sz="2800" dirty="0" smtClean="0">
+              <a:t>2.API</a:t>
+            </a:r>
+            <a:r>
+              <a:rPr lang="zh-CN" altLang="en-US" b="1" dirty="0" smtClean="0">
                 <a:latin typeface="华文楷体" panose="02010600040101010101" pitchFamily="2" charset="-122"/>
                 <a:ea typeface="华文楷体" panose="02010600040101010101" pitchFamily="2" charset="-122"/>
               </a:rPr>
-              <a:t>.</a:t>
-            </a:r>
-            <a:r>
-              <a:rPr lang="zh-CN" altLang="zh-CN" sz="2800" dirty="0" smtClean="0">
+              <a:t>接口实现</a:t>
+            </a:r>
+            <a:r>
+              <a:rPr lang="en-US" altLang="zh-CN" b="1" dirty="0" smtClean="0">
                 <a:latin typeface="华文楷体" panose="02010600040101010101" pitchFamily="2" charset="-122"/>
                 <a:ea typeface="华文楷体" panose="02010600040101010101" pitchFamily="2" charset="-122"/>
               </a:rPr>
-              <a:t>重试</a:t>
-            </a:r>
-            <a:r>
-              <a:rPr lang="zh-CN" altLang="zh-CN" sz="2800" dirty="0">
+              <a:t>Token</a:t>
+            </a:r>
+            <a:r>
+              <a:rPr lang="zh-CN" altLang="en-US" b="1" dirty="0" smtClean="0">
                 <a:latin typeface="华文楷体" panose="02010600040101010101" pitchFamily="2" charset="-122"/>
                 <a:ea typeface="华文楷体" panose="02010600040101010101" pitchFamily="2" charset="-122"/>
               </a:rPr>
-              <a:t>支付回调接口时，如何保证回调接口通知幂等性问题</a:t>
-            </a:r>
-          </a:p>
-          <a:p>
-            <a:pPr lvl="0"/>
-            <a:r>
-              <a:rPr lang="en-US" altLang="zh-CN" sz="2800" dirty="0">
+              <a:t>授权认证</a:t>
+            </a:r>
+            <a:endParaRPr lang="en-US" altLang="zh-CN" b="1" dirty="0" smtClean="0">
+              <a:latin typeface="华文楷体" panose="02010600040101010101" pitchFamily="2" charset="-122"/>
+              <a:ea typeface="华文楷体" panose="02010600040101010101" pitchFamily="2" charset="-122"/>
+            </a:endParaRPr>
+          </a:p>
+          <a:p>
+            <a:r>
+              <a:rPr lang="en-US" altLang="zh-CN" b="1" dirty="0" smtClean="0">
                 <a:latin typeface="华文楷体" panose="02010600040101010101" pitchFamily="2" charset="-122"/>
                 <a:ea typeface="华文楷体" panose="02010600040101010101" pitchFamily="2" charset="-122"/>
               </a:rPr>
-              <a:t>3</a:t>
-            </a:r>
-            <a:r>
-              <a:rPr lang="en-US" altLang="zh-CN" sz="2800" dirty="0" smtClean="0">
+              <a:t>3.</a:t>
+            </a:r>
+            <a:r>
+              <a:rPr lang="zh-CN" altLang="en-US" b="1" dirty="0" smtClean="0">
                 <a:latin typeface="华文楷体" panose="02010600040101010101" pitchFamily="2" charset="-122"/>
                 <a:ea typeface="华文楷体" panose="02010600040101010101" pitchFamily="2" charset="-122"/>
               </a:rPr>
-              <a:t>.</a:t>
-            </a:r>
-            <a:r>
-              <a:rPr lang="zh-CN" altLang="zh-CN" sz="2800" dirty="0" smtClean="0">
+              <a:t>使用</a:t>
+            </a:r>
+            <a:r>
+              <a:rPr lang="en-US" altLang="zh-CN" b="1" dirty="0" smtClean="0">
                 <a:latin typeface="华文楷体" panose="02010600040101010101" pitchFamily="2" charset="-122"/>
                 <a:ea typeface="华文楷体" panose="02010600040101010101" pitchFamily="2" charset="-122"/>
               </a:rPr>
-              <a:t>支付</a:t>
-            </a:r>
-            <a:r>
-              <a:rPr lang="zh-CN" altLang="zh-CN" sz="2800" dirty="0">
+              <a:t>MD5</a:t>
+            </a:r>
+            <a:r>
+              <a:rPr lang="zh-CN" altLang="en-US" b="1" dirty="0" smtClean="0">
                 <a:latin typeface="华文楷体" panose="02010600040101010101" pitchFamily="2" charset="-122"/>
                 <a:ea typeface="华文楷体" panose="02010600040101010101" pitchFamily="2" charset="-122"/>
               </a:rPr>
-              <a:t>金额与商品金额如果不一致时，如何处理</a:t>
-            </a:r>
-          </a:p>
-          <a:p>
-            <a:pPr lvl="0"/>
-            <a:r>
-              <a:rPr lang="en-US" altLang="zh-CN" sz="2800" dirty="0">
+              <a:t>实现</a:t>
+            </a:r>
+            <a:r>
+              <a:rPr lang="en-US" altLang="zh-CN" b="1" dirty="0" smtClean="0">
                 <a:latin typeface="华文楷体" panose="02010600040101010101" pitchFamily="2" charset="-122"/>
                 <a:ea typeface="华文楷体" panose="02010600040101010101" pitchFamily="2" charset="-122"/>
               </a:rPr>
-              <a:t>4</a:t>
-            </a:r>
-            <a:r>
-              <a:rPr lang="en-US" altLang="zh-CN" sz="2800" dirty="0" smtClean="0">
+              <a:t>API</a:t>
+            </a:r>
+            <a:r>
+              <a:rPr lang="zh-CN" altLang="en-US" b="1" dirty="0" smtClean="0">
                 <a:latin typeface="华文楷体" panose="02010600040101010101" pitchFamily="2" charset="-122"/>
                 <a:ea typeface="华文楷体" panose="02010600040101010101" pitchFamily="2" charset="-122"/>
               </a:rPr>
-              <a:t>.</a:t>
-            </a:r>
-            <a:r>
-              <a:rPr lang="zh-CN" altLang="zh-CN" sz="2800" dirty="0" smtClean="0">
+              <a:t>接口验证签名，防止抓包篡改数据</a:t>
+            </a:r>
+            <a:endParaRPr lang="en-US" altLang="zh-CN" b="1" dirty="0" smtClean="0">
+              <a:latin typeface="华文楷体" panose="02010600040101010101" pitchFamily="2" charset="-122"/>
+              <a:ea typeface="华文楷体" panose="02010600040101010101" pitchFamily="2" charset="-122"/>
+            </a:endParaRPr>
+          </a:p>
+          <a:p>
+            <a:r>
+              <a:rPr lang="en-US" altLang="zh-CN" b="1" dirty="0" smtClean="0">
                 <a:latin typeface="华文楷体" panose="02010600040101010101" pitchFamily="2" charset="-122"/>
                 <a:ea typeface="华文楷体" panose="02010600040101010101" pitchFamily="2" charset="-122"/>
               </a:rPr>
-              <a:t>第三</a:t>
-            </a:r>
-            <a:r>
-              <a:rPr lang="zh-CN" altLang="zh-CN" sz="2800" dirty="0">
+              <a:t>4.</a:t>
+            </a:r>
+            <a:r>
+              <a:rPr lang="zh-CN" altLang="en-US" b="1" dirty="0" smtClean="0">
                 <a:latin typeface="华文楷体" panose="02010600040101010101" pitchFamily="2" charset="-122"/>
                 <a:ea typeface="华文楷体" panose="02010600040101010101" pitchFamily="2" charset="-122"/>
               </a:rPr>
-              <a:t>方支付平台如何与对接系统保证分布式事务问题</a:t>
-            </a:r>
-          </a:p>
-          <a:p>
-            <a:pPr lvl="0"/>
-            <a:r>
-              <a:rPr lang="en-US" altLang="zh-CN" sz="2800" dirty="0">
+              <a:t>实现</a:t>
+            </a:r>
+            <a:r>
+              <a:rPr lang="en-US" altLang="zh-CN" b="1" dirty="0" smtClean="0">
                 <a:latin typeface="华文楷体" panose="02010600040101010101" pitchFamily="2" charset="-122"/>
                 <a:ea typeface="华文楷体" panose="02010600040101010101" pitchFamily="2" charset="-122"/>
               </a:rPr>
-              <a:t>5</a:t>
-            </a:r>
-            <a:r>
-              <a:rPr lang="en-US" altLang="zh-CN" sz="2800" dirty="0" smtClean="0">
+              <a:t>API</a:t>
+            </a:r>
+            <a:r>
+              <a:rPr lang="zh-CN" altLang="en-US" b="1" dirty="0" smtClean="0">
                 <a:latin typeface="华文楷体" panose="02010600040101010101" pitchFamily="2" charset="-122"/>
                 <a:ea typeface="华文楷体" panose="02010600040101010101" pitchFamily="2" charset="-122"/>
               </a:rPr>
-              <a:t>.</a:t>
-            </a:r>
-            <a:r>
-              <a:rPr lang="zh-CN" altLang="zh-CN" sz="2800" dirty="0" smtClean="0">
+              <a:t>接口安全加密传输（公钥和私钥互换机制）</a:t>
+            </a:r>
+            <a:endParaRPr lang="en-US" altLang="zh-CN" b="1" dirty="0" smtClean="0">
+              <a:latin typeface="华文楷体" panose="02010600040101010101" pitchFamily="2" charset="-122"/>
+              <a:ea typeface="华文楷体" panose="02010600040101010101" pitchFamily="2" charset="-122"/>
+            </a:endParaRPr>
+          </a:p>
+          <a:p>
+            <a:r>
+              <a:rPr lang="en-US" altLang="zh-CN" b="1" dirty="0">
                 <a:latin typeface="华文楷体" panose="02010600040101010101" pitchFamily="2" charset="-122"/>
                 <a:ea typeface="华文楷体" panose="02010600040101010101" pitchFamily="2" charset="-122"/>
               </a:rPr>
-              <a:t>支付</a:t>
-            </a:r>
-            <a:r>
-              <a:rPr lang="zh-CN" altLang="zh-CN" sz="2800" dirty="0">
+              <a:t>5</a:t>
+            </a:r>
+            <a:r>
+              <a:rPr lang="en-US" altLang="zh-CN" b="1" dirty="0" smtClean="0">
                 <a:latin typeface="华文楷体" panose="02010600040101010101" pitchFamily="2" charset="-122"/>
                 <a:ea typeface="华文楷体" panose="02010600040101010101" pitchFamily="2" charset="-122"/>
               </a:rPr>
-              <a:t>服务如何与其他系统保证分布式事务问题</a:t>
-            </a:r>
-          </a:p>
-          <a:p>
+              <a:t>.</a:t>
+            </a:r>
+            <a:r>
+              <a:rPr lang="zh-CN" altLang="en-US" b="1" dirty="0" smtClean="0">
+                <a:latin typeface="华文楷体" panose="02010600040101010101" pitchFamily="2" charset="-122"/>
+                <a:ea typeface="华文楷体" panose="02010600040101010101" pitchFamily="2" charset="-122"/>
+              </a:rPr>
+              <a:t>基于</a:t>
+            </a:r>
+            <a:r>
+              <a:rPr lang="en-US" altLang="zh-CN" b="1" dirty="0">
+                <a:latin typeface="华文楷体" panose="02010600040101010101" pitchFamily="2" charset="-122"/>
+                <a:ea typeface="华文楷体" panose="02010600040101010101" pitchFamily="2" charset="-122"/>
+              </a:rPr>
+              <a:t>O</a:t>
+            </a:r>
+            <a:r>
+              <a:rPr lang="en-US" altLang="zh-CN" b="1" dirty="0" smtClean="0">
+                <a:latin typeface="华文楷体" panose="02010600040101010101" pitchFamily="2" charset="-122"/>
+                <a:ea typeface="华文楷体" panose="02010600040101010101" pitchFamily="2" charset="-122"/>
+              </a:rPr>
+              <a:t>auth2.0 </a:t>
+            </a:r>
+            <a:r>
+              <a:rPr lang="zh-CN" altLang="en-US" b="1" dirty="0" smtClean="0">
+                <a:latin typeface="华文楷体" panose="02010600040101010101" pitchFamily="2" charset="-122"/>
+                <a:ea typeface="华文楷体" panose="02010600040101010101" pitchFamily="2" charset="-122"/>
+              </a:rPr>
+              <a:t>实现</a:t>
+            </a:r>
+            <a:r>
+              <a:rPr lang="en-US" altLang="zh-CN" b="1" dirty="0" smtClean="0">
+                <a:latin typeface="华文楷体" panose="02010600040101010101" pitchFamily="2" charset="-122"/>
+                <a:ea typeface="华文楷体" panose="02010600040101010101" pitchFamily="2" charset="-122"/>
+              </a:rPr>
+              <a:t>API</a:t>
+            </a:r>
+            <a:r>
+              <a:rPr lang="zh-CN" altLang="en-US" b="1" dirty="0" smtClean="0">
+                <a:latin typeface="华文楷体" panose="02010600040101010101" pitchFamily="2" charset="-122"/>
+                <a:ea typeface="华文楷体" panose="02010600040101010101" pitchFamily="2" charset="-122"/>
+              </a:rPr>
+              <a:t>接口开放平台</a:t>
+            </a:r>
+            <a:endParaRPr lang="en-US" altLang="zh-CN" b="1" dirty="0" smtClean="0">
+              <a:latin typeface="华文楷体" panose="02010600040101010101" pitchFamily="2" charset="-122"/>
+              <a:ea typeface="华文楷体" panose="02010600040101010101" pitchFamily="2" charset="-122"/>
+            </a:endParaRPr>
+          </a:p>
+          <a:p>
+            <a:r>
+              <a:rPr lang="en-US" altLang="zh-CN" b="1" dirty="0" smtClean="0">
+                <a:latin typeface="华文楷体" panose="02010600040101010101" pitchFamily="2" charset="-122"/>
+                <a:ea typeface="华文楷体" panose="02010600040101010101" pitchFamily="2" charset="-122"/>
+              </a:rPr>
+              <a:t>6.</a:t>
+            </a:r>
+            <a:r>
+              <a:rPr lang="zh-CN" altLang="en-US" b="1" dirty="0" smtClean="0">
+                <a:latin typeface="华文楷体" panose="02010600040101010101" pitchFamily="2" charset="-122"/>
+                <a:ea typeface="华文楷体" panose="02010600040101010101" pitchFamily="2" charset="-122"/>
+              </a:rPr>
+              <a:t>接口参数使用网关实现防止</a:t>
+            </a:r>
+            <a:r>
+              <a:rPr lang="en-US" altLang="zh-CN" b="1" dirty="0" smtClean="0">
+                <a:latin typeface="华文楷体" panose="02010600040101010101" pitchFamily="2" charset="-122"/>
+                <a:ea typeface="华文楷体" panose="02010600040101010101" pitchFamily="2" charset="-122"/>
+              </a:rPr>
+              <a:t>XSS、SQL</a:t>
+            </a:r>
+            <a:r>
+              <a:rPr lang="zh-CN" altLang="en-US" b="1" dirty="0" smtClean="0">
+                <a:latin typeface="华文楷体" panose="02010600040101010101" pitchFamily="2" charset="-122"/>
+                <a:ea typeface="华文楷体" panose="02010600040101010101" pitchFamily="2" charset="-122"/>
+              </a:rPr>
+              <a:t>注入</a:t>
+            </a:r>
+            <a:endParaRPr lang="en-US" altLang="zh-CN" b="1" dirty="0" smtClean="0">
+              <a:latin typeface="华文楷体" panose="02010600040101010101" pitchFamily="2" charset="-122"/>
+              <a:ea typeface="华文楷体" panose="02010600040101010101" pitchFamily="2" charset="-122"/>
+            </a:endParaRPr>
+          </a:p>
+          <a:p>
+            <a:r>
+              <a:rPr lang="en-US" altLang="zh-CN" b="1" dirty="0" smtClean="0">
+                <a:latin typeface="华文楷体" panose="02010600040101010101" pitchFamily="2" charset="-122"/>
+                <a:ea typeface="华文楷体" panose="02010600040101010101" pitchFamily="2" charset="-122"/>
+              </a:rPr>
+              <a:t>7</a:t>
+            </a:r>
+            <a:r>
+              <a:rPr lang="en-US" altLang="zh-CN" b="1" smtClean="0">
+                <a:latin typeface="华文楷体" panose="02010600040101010101" pitchFamily="2" charset="-122"/>
+                <a:ea typeface="华文楷体" panose="02010600040101010101" pitchFamily="2" charset="-122"/>
+              </a:rPr>
+              <a:t>.</a:t>
+            </a:r>
+            <a:r>
+              <a:rPr lang="zh-CN" altLang="en-US" b="1" dirty="0" smtClean="0">
+                <a:latin typeface="华文楷体" panose="02010600040101010101" pitchFamily="2" charset="-122"/>
+                <a:ea typeface="华文楷体" panose="02010600040101010101" pitchFamily="2" charset="-122"/>
+              </a:rPr>
+              <a:t>定期工具实现代码健康扫描</a:t>
+            </a:r>
             <a:endParaRPr lang="en-US" altLang="zh-CN" b="1" dirty="0" smtClean="0">
               <a:latin typeface="华文楷体" panose="02010600040101010101" pitchFamily="2" charset="-122"/>
               <a:ea typeface="华文楷体" panose="02010600040101010101" pitchFamily="2" charset="-122"/>
